--- a/001 Documentation/Diagrams.pptx
+++ b/001 Documentation/Diagrams.pptx
@@ -8,6 +8,7 @@
     <p:sldId id="256" r:id="rId2"/>
     <p:sldId id="257" r:id="rId3"/>
     <p:sldId id="258" r:id="rId4"/>
+    <p:sldId id="259" r:id="rId5"/>
   </p:sldIdLst>
   <p:sldSz cx="12192000" cy="6858000"/>
   <p:notesSz cx="6858000" cy="9144000"/>
@@ -261,7 +262,7 @@
           <a:p>
             <a:fld id="{A2A69E8B-42F9-4794-8BB5-C9C3D02CD129}" type="datetimeFigureOut">
               <a:rPr lang="en-US" smtClean="0"/>
-              <a:t>11/3/2022</a:t>
+              <a:t>11/5/2022</a:t>
             </a:fld>
             <a:endParaRPr lang="en-US"/>
           </a:p>
@@ -459,7 +460,7 @@
           <a:p>
             <a:fld id="{A2A69E8B-42F9-4794-8BB5-C9C3D02CD129}" type="datetimeFigureOut">
               <a:rPr lang="en-US" smtClean="0"/>
-              <a:t>11/3/2022</a:t>
+              <a:t>11/5/2022</a:t>
             </a:fld>
             <a:endParaRPr lang="en-US"/>
           </a:p>
@@ -667,7 +668,7 @@
           <a:p>
             <a:fld id="{A2A69E8B-42F9-4794-8BB5-C9C3D02CD129}" type="datetimeFigureOut">
               <a:rPr lang="en-US" smtClean="0"/>
-              <a:t>11/3/2022</a:t>
+              <a:t>11/5/2022</a:t>
             </a:fld>
             <a:endParaRPr lang="en-US"/>
           </a:p>
@@ -865,7 +866,7 @@
           <a:p>
             <a:fld id="{A2A69E8B-42F9-4794-8BB5-C9C3D02CD129}" type="datetimeFigureOut">
               <a:rPr lang="en-US" smtClean="0"/>
-              <a:t>11/3/2022</a:t>
+              <a:t>11/5/2022</a:t>
             </a:fld>
             <a:endParaRPr lang="en-US"/>
           </a:p>
@@ -1140,7 +1141,7 @@
           <a:p>
             <a:fld id="{A2A69E8B-42F9-4794-8BB5-C9C3D02CD129}" type="datetimeFigureOut">
               <a:rPr lang="en-US" smtClean="0"/>
-              <a:t>11/3/2022</a:t>
+              <a:t>11/5/2022</a:t>
             </a:fld>
             <a:endParaRPr lang="en-US"/>
           </a:p>
@@ -1405,7 +1406,7 @@
           <a:p>
             <a:fld id="{A2A69E8B-42F9-4794-8BB5-C9C3D02CD129}" type="datetimeFigureOut">
               <a:rPr lang="en-US" smtClean="0"/>
-              <a:t>11/3/2022</a:t>
+              <a:t>11/5/2022</a:t>
             </a:fld>
             <a:endParaRPr lang="en-US"/>
           </a:p>
@@ -1817,7 +1818,7 @@
           <a:p>
             <a:fld id="{A2A69E8B-42F9-4794-8BB5-C9C3D02CD129}" type="datetimeFigureOut">
               <a:rPr lang="en-US" smtClean="0"/>
-              <a:t>11/3/2022</a:t>
+              <a:t>11/5/2022</a:t>
             </a:fld>
             <a:endParaRPr lang="en-US"/>
           </a:p>
@@ -1958,7 +1959,7 @@
           <a:p>
             <a:fld id="{A2A69E8B-42F9-4794-8BB5-C9C3D02CD129}" type="datetimeFigureOut">
               <a:rPr lang="en-US" smtClean="0"/>
-              <a:t>11/3/2022</a:t>
+              <a:t>11/5/2022</a:t>
             </a:fld>
             <a:endParaRPr lang="en-US"/>
           </a:p>
@@ -2071,7 +2072,7 @@
           <a:p>
             <a:fld id="{A2A69E8B-42F9-4794-8BB5-C9C3D02CD129}" type="datetimeFigureOut">
               <a:rPr lang="en-US" smtClean="0"/>
-              <a:t>11/3/2022</a:t>
+              <a:t>11/5/2022</a:t>
             </a:fld>
             <a:endParaRPr lang="en-US"/>
           </a:p>
@@ -2382,7 +2383,7 @@
           <a:p>
             <a:fld id="{A2A69E8B-42F9-4794-8BB5-C9C3D02CD129}" type="datetimeFigureOut">
               <a:rPr lang="en-US" smtClean="0"/>
-              <a:t>11/3/2022</a:t>
+              <a:t>11/5/2022</a:t>
             </a:fld>
             <a:endParaRPr lang="en-US"/>
           </a:p>
@@ -2670,7 +2671,7 @@
           <a:p>
             <a:fld id="{A2A69E8B-42F9-4794-8BB5-C9C3D02CD129}" type="datetimeFigureOut">
               <a:rPr lang="en-US" smtClean="0"/>
-              <a:t>11/3/2022</a:t>
+              <a:t>11/5/2022</a:t>
             </a:fld>
             <a:endParaRPr lang="en-US"/>
           </a:p>
@@ -2911,7 +2912,7 @@
           <a:p>
             <a:fld id="{A2A69E8B-42F9-4794-8BB5-C9C3D02CD129}" type="datetimeFigureOut">
               <a:rPr lang="en-US" smtClean="0"/>
-              <a:t>11/3/2022</a:t>
+              <a:t>11/5/2022</a:t>
             </a:fld>
             <a:endParaRPr lang="en-US"/>
           </a:p>
@@ -8790,6 +8791,36 @@
 </p:sld>
 </file>
 
+<file path=ppt/slides/slide4.xml><?xml version="1.0" encoding="utf-8"?>
+<p:sld xmlns:a="http://schemas.openxmlformats.org/drawingml/2006/main" xmlns:r="http://schemas.openxmlformats.org/officeDocument/2006/relationships" xmlns:p="http://schemas.openxmlformats.org/presentationml/2006/main">
+  <p:cSld>
+    <p:spTree>
+      <p:nvGrpSpPr>
+        <p:cNvPr id="1" name=""/>
+        <p:cNvGrpSpPr/>
+        <p:nvPr/>
+      </p:nvGrpSpPr>
+      <p:grpSpPr>
+        <a:xfrm>
+          <a:off x="0" y="0"/>
+          <a:ext cx="0" cy="0"/>
+          <a:chOff x="0" y="0"/>
+          <a:chExt cx="0" cy="0"/>
+        </a:xfrm>
+      </p:grpSpPr>
+    </p:spTree>
+    <p:extLst>
+      <p:ext uri="{BB962C8B-B14F-4D97-AF65-F5344CB8AC3E}">
+        <p14:creationId xmlns:p14="http://schemas.microsoft.com/office/powerpoint/2010/main" val="1581011375"/>
+      </p:ext>
+    </p:extLst>
+  </p:cSld>
+  <p:clrMapOvr>
+    <a:masterClrMapping/>
+  </p:clrMapOvr>
+</p:sld>
+</file>
+
 <file path=ppt/theme/theme1.xml><?xml version="1.0" encoding="utf-8"?>
 <a:theme xmlns:a="http://schemas.openxmlformats.org/drawingml/2006/main" name="Office Theme">
   <a:themeElements>

--- a/001 Documentation/Diagrams.pptx
+++ b/001 Documentation/Diagrams.pptx
@@ -262,7 +262,7 @@
           <a:p>
             <a:fld id="{A2A69E8B-42F9-4794-8BB5-C9C3D02CD129}" type="datetimeFigureOut">
               <a:rPr lang="en-US" smtClean="0"/>
-              <a:t>11/5/2022</a:t>
+              <a:t>11/6/2022</a:t>
             </a:fld>
             <a:endParaRPr lang="en-US"/>
           </a:p>
@@ -460,7 +460,7 @@
           <a:p>
             <a:fld id="{A2A69E8B-42F9-4794-8BB5-C9C3D02CD129}" type="datetimeFigureOut">
               <a:rPr lang="en-US" smtClean="0"/>
-              <a:t>11/5/2022</a:t>
+              <a:t>11/6/2022</a:t>
             </a:fld>
             <a:endParaRPr lang="en-US"/>
           </a:p>
@@ -668,7 +668,7 @@
           <a:p>
             <a:fld id="{A2A69E8B-42F9-4794-8BB5-C9C3D02CD129}" type="datetimeFigureOut">
               <a:rPr lang="en-US" smtClean="0"/>
-              <a:t>11/5/2022</a:t>
+              <a:t>11/6/2022</a:t>
             </a:fld>
             <a:endParaRPr lang="en-US"/>
           </a:p>
@@ -866,7 +866,7 @@
           <a:p>
             <a:fld id="{A2A69E8B-42F9-4794-8BB5-C9C3D02CD129}" type="datetimeFigureOut">
               <a:rPr lang="en-US" smtClean="0"/>
-              <a:t>11/5/2022</a:t>
+              <a:t>11/6/2022</a:t>
             </a:fld>
             <a:endParaRPr lang="en-US"/>
           </a:p>
@@ -1141,7 +1141,7 @@
           <a:p>
             <a:fld id="{A2A69E8B-42F9-4794-8BB5-C9C3D02CD129}" type="datetimeFigureOut">
               <a:rPr lang="en-US" smtClean="0"/>
-              <a:t>11/5/2022</a:t>
+              <a:t>11/6/2022</a:t>
             </a:fld>
             <a:endParaRPr lang="en-US"/>
           </a:p>
@@ -1406,7 +1406,7 @@
           <a:p>
             <a:fld id="{A2A69E8B-42F9-4794-8BB5-C9C3D02CD129}" type="datetimeFigureOut">
               <a:rPr lang="en-US" smtClean="0"/>
-              <a:t>11/5/2022</a:t>
+              <a:t>11/6/2022</a:t>
             </a:fld>
             <a:endParaRPr lang="en-US"/>
           </a:p>
@@ -1818,7 +1818,7 @@
           <a:p>
             <a:fld id="{A2A69E8B-42F9-4794-8BB5-C9C3D02CD129}" type="datetimeFigureOut">
               <a:rPr lang="en-US" smtClean="0"/>
-              <a:t>11/5/2022</a:t>
+              <a:t>11/6/2022</a:t>
             </a:fld>
             <a:endParaRPr lang="en-US"/>
           </a:p>
@@ -1959,7 +1959,7 @@
           <a:p>
             <a:fld id="{A2A69E8B-42F9-4794-8BB5-C9C3D02CD129}" type="datetimeFigureOut">
               <a:rPr lang="en-US" smtClean="0"/>
-              <a:t>11/5/2022</a:t>
+              <a:t>11/6/2022</a:t>
             </a:fld>
             <a:endParaRPr lang="en-US"/>
           </a:p>
@@ -2072,7 +2072,7 @@
           <a:p>
             <a:fld id="{A2A69E8B-42F9-4794-8BB5-C9C3D02CD129}" type="datetimeFigureOut">
               <a:rPr lang="en-US" smtClean="0"/>
-              <a:t>11/5/2022</a:t>
+              <a:t>11/6/2022</a:t>
             </a:fld>
             <a:endParaRPr lang="en-US"/>
           </a:p>
@@ -2383,7 +2383,7 @@
           <a:p>
             <a:fld id="{A2A69E8B-42F9-4794-8BB5-C9C3D02CD129}" type="datetimeFigureOut">
               <a:rPr lang="en-US" smtClean="0"/>
-              <a:t>11/5/2022</a:t>
+              <a:t>11/6/2022</a:t>
             </a:fld>
             <a:endParaRPr lang="en-US"/>
           </a:p>
@@ -2671,7 +2671,7 @@
           <a:p>
             <a:fld id="{A2A69E8B-42F9-4794-8BB5-C9C3D02CD129}" type="datetimeFigureOut">
               <a:rPr lang="en-US" smtClean="0"/>
-              <a:t>11/5/2022</a:t>
+              <a:t>11/6/2022</a:t>
             </a:fld>
             <a:endParaRPr lang="en-US"/>
           </a:p>
@@ -2912,7 +2912,7 @@
           <a:p>
             <a:fld id="{A2A69E8B-42F9-4794-8BB5-C9C3D02CD129}" type="datetimeFigureOut">
               <a:rPr lang="en-US" smtClean="0"/>
-              <a:t>11/5/2022</a:t>
+              <a:t>11/6/2022</a:t>
             </a:fld>
             <a:endParaRPr lang="en-US"/>
           </a:p>
@@ -8808,6 +8808,1234 @@
           <a:chExt cx="0" cy="0"/>
         </a:xfrm>
       </p:grpSpPr>
+      <p:sp>
+        <p:nvSpPr>
+          <p:cNvPr id="2" name="Rectangle 1">
+            <a:extLst>
+              <a:ext uri="{FF2B5EF4-FFF2-40B4-BE49-F238E27FC236}">
+                <a16:creationId xmlns:a16="http://schemas.microsoft.com/office/drawing/2014/main" id="{C18C39CF-3496-4EF7-B522-19E193CAC985}"/>
+              </a:ext>
+            </a:extLst>
+          </p:cNvPr>
+          <p:cNvSpPr/>
+          <p:nvPr/>
+        </p:nvSpPr>
+        <p:spPr>
+          <a:xfrm>
+            <a:off x="1241571" y="1090569"/>
+            <a:ext cx="1090568" cy="394282"/>
+          </a:xfrm>
+          <a:prstGeom prst="rect">
+            <a:avLst/>
+          </a:prstGeom>
+          <a:noFill/>
+          <a:ln w="6350">
+            <a:solidFill>
+              <a:schemeClr val="tx1"/>
+            </a:solidFill>
+          </a:ln>
+        </p:spPr>
+        <p:style>
+          <a:lnRef idx="2">
+            <a:schemeClr val="accent1">
+              <a:shade val="50000"/>
+            </a:schemeClr>
+          </a:lnRef>
+          <a:fillRef idx="1">
+            <a:schemeClr val="accent1"/>
+          </a:fillRef>
+          <a:effectRef idx="0">
+            <a:schemeClr val="accent1"/>
+          </a:effectRef>
+          <a:fontRef idx="minor">
+            <a:schemeClr val="lt1"/>
+          </a:fontRef>
+        </p:style>
+        <p:txBody>
+          <a:bodyPr rtlCol="0" anchor="ctr"/>
+          <a:lstStyle/>
+          <a:p>
+            <a:pPr algn="ctr"/>
+            <a:r>
+              <a:rPr lang="en-US" sz="1200" dirty="0">
+                <a:solidFill>
+                  <a:sysClr val="windowText" lastClr="000000"/>
+                </a:solidFill>
+              </a:rPr>
+              <a:t>TCP Client</a:t>
+            </a:r>
+          </a:p>
+        </p:txBody>
+      </p:sp>
+      <p:sp>
+        <p:nvSpPr>
+          <p:cNvPr id="3" name="Rectangle 2">
+            <a:extLst>
+              <a:ext uri="{FF2B5EF4-FFF2-40B4-BE49-F238E27FC236}">
+                <a16:creationId xmlns:a16="http://schemas.microsoft.com/office/drawing/2014/main" id="{E7794FD7-2434-4FDC-9A22-8D1E58286B71}"/>
+              </a:ext>
+            </a:extLst>
+          </p:cNvPr>
+          <p:cNvSpPr/>
+          <p:nvPr/>
+        </p:nvSpPr>
+        <p:spPr>
+          <a:xfrm>
+            <a:off x="2937545" y="1090569"/>
+            <a:ext cx="1090568" cy="394282"/>
+          </a:xfrm>
+          <a:prstGeom prst="rect">
+            <a:avLst/>
+          </a:prstGeom>
+          <a:noFill/>
+          <a:ln w="6350">
+            <a:solidFill>
+              <a:schemeClr val="tx1"/>
+            </a:solidFill>
+          </a:ln>
+        </p:spPr>
+        <p:style>
+          <a:lnRef idx="2">
+            <a:schemeClr val="accent1">
+              <a:shade val="50000"/>
+            </a:schemeClr>
+          </a:lnRef>
+          <a:fillRef idx="1">
+            <a:schemeClr val="accent1"/>
+          </a:fillRef>
+          <a:effectRef idx="0">
+            <a:schemeClr val="accent1"/>
+          </a:effectRef>
+          <a:fontRef idx="minor">
+            <a:schemeClr val="lt1"/>
+          </a:fontRef>
+        </p:style>
+        <p:txBody>
+          <a:bodyPr rtlCol="0" anchor="ctr"/>
+          <a:lstStyle/>
+          <a:p>
+            <a:pPr algn="ctr"/>
+            <a:r>
+              <a:rPr lang="en-US" sz="1200" dirty="0">
+                <a:solidFill>
+                  <a:sysClr val="windowText" lastClr="000000"/>
+                </a:solidFill>
+              </a:rPr>
+              <a:t>HIL Test Tool</a:t>
+            </a:r>
+          </a:p>
+        </p:txBody>
+      </p:sp>
+      <p:sp>
+        <p:nvSpPr>
+          <p:cNvPr id="4" name="Rectangle 3">
+            <a:extLst>
+              <a:ext uri="{FF2B5EF4-FFF2-40B4-BE49-F238E27FC236}">
+                <a16:creationId xmlns:a16="http://schemas.microsoft.com/office/drawing/2014/main" id="{9777DFE6-9D5A-4FD4-A9D8-22223B7E54B5}"/>
+              </a:ext>
+            </a:extLst>
+          </p:cNvPr>
+          <p:cNvSpPr/>
+          <p:nvPr/>
+        </p:nvSpPr>
+        <p:spPr>
+          <a:xfrm>
+            <a:off x="4633519" y="1090569"/>
+            <a:ext cx="1090568" cy="394282"/>
+          </a:xfrm>
+          <a:prstGeom prst="rect">
+            <a:avLst/>
+          </a:prstGeom>
+          <a:noFill/>
+          <a:ln w="6350">
+            <a:solidFill>
+              <a:schemeClr val="tx1"/>
+            </a:solidFill>
+          </a:ln>
+        </p:spPr>
+        <p:style>
+          <a:lnRef idx="2">
+            <a:schemeClr val="accent1">
+              <a:shade val="50000"/>
+            </a:schemeClr>
+          </a:lnRef>
+          <a:fillRef idx="1">
+            <a:schemeClr val="accent1"/>
+          </a:fillRef>
+          <a:effectRef idx="0">
+            <a:schemeClr val="accent1"/>
+          </a:effectRef>
+          <a:fontRef idx="minor">
+            <a:schemeClr val="lt1"/>
+          </a:fontRef>
+        </p:style>
+        <p:txBody>
+          <a:bodyPr rtlCol="0" anchor="ctr"/>
+          <a:lstStyle/>
+          <a:p>
+            <a:pPr algn="ctr"/>
+            <a:r>
+              <a:rPr lang="en-US" sz="1200" dirty="0">
+                <a:solidFill>
+                  <a:sysClr val="windowText" lastClr="000000"/>
+                </a:solidFill>
+              </a:rPr>
+              <a:t>Simulated ECU</a:t>
+            </a:r>
+          </a:p>
+        </p:txBody>
+      </p:sp>
+      <p:cxnSp>
+        <p:nvCxnSpPr>
+          <p:cNvPr id="6" name="Straight Connector 5">
+            <a:extLst>
+              <a:ext uri="{FF2B5EF4-FFF2-40B4-BE49-F238E27FC236}">
+                <a16:creationId xmlns:a16="http://schemas.microsoft.com/office/drawing/2014/main" id="{8173E2FA-ACC9-492D-80A2-CF41E696A049}"/>
+              </a:ext>
+            </a:extLst>
+          </p:cNvPr>
+          <p:cNvCxnSpPr>
+            <a:cxnSpLocks/>
+            <a:stCxn id="2" idx="2"/>
+            <a:endCxn id="59" idx="0"/>
+          </p:cNvCxnSpPr>
+          <p:nvPr/>
+        </p:nvCxnSpPr>
+        <p:spPr>
+          <a:xfrm flipH="1">
+            <a:off x="1785105" y="1484851"/>
+            <a:ext cx="1750" cy="1117213"/>
+          </a:xfrm>
+          <a:prstGeom prst="line">
+            <a:avLst/>
+          </a:prstGeom>
+          <a:ln>
+            <a:solidFill>
+              <a:schemeClr val="tx1"/>
+            </a:solidFill>
+            <a:prstDash val="lgDash"/>
+          </a:ln>
+        </p:spPr>
+        <p:style>
+          <a:lnRef idx="1">
+            <a:schemeClr val="accent1"/>
+          </a:lnRef>
+          <a:fillRef idx="0">
+            <a:schemeClr val="accent1"/>
+          </a:fillRef>
+          <a:effectRef idx="0">
+            <a:schemeClr val="accent1"/>
+          </a:effectRef>
+          <a:fontRef idx="minor">
+            <a:schemeClr val="tx1"/>
+          </a:fontRef>
+        </p:style>
+      </p:cxnSp>
+      <p:sp>
+        <p:nvSpPr>
+          <p:cNvPr id="9" name="Rectangle 8">
+            <a:extLst>
+              <a:ext uri="{FF2B5EF4-FFF2-40B4-BE49-F238E27FC236}">
+                <a16:creationId xmlns:a16="http://schemas.microsoft.com/office/drawing/2014/main" id="{47C1C89E-1153-494A-A0A1-E9E853C6F9CE}"/>
+              </a:ext>
+            </a:extLst>
+          </p:cNvPr>
+          <p:cNvSpPr/>
+          <p:nvPr/>
+        </p:nvSpPr>
+        <p:spPr>
+          <a:xfrm>
+            <a:off x="3422708" y="1820411"/>
+            <a:ext cx="117443" cy="394282"/>
+          </a:xfrm>
+          <a:prstGeom prst="rect">
+            <a:avLst/>
+          </a:prstGeom>
+          <a:noFill/>
+          <a:ln w="6350"/>
+        </p:spPr>
+        <p:style>
+          <a:lnRef idx="2">
+            <a:schemeClr val="dk1">
+              <a:shade val="50000"/>
+            </a:schemeClr>
+          </a:lnRef>
+          <a:fillRef idx="1">
+            <a:schemeClr val="dk1"/>
+          </a:fillRef>
+          <a:effectRef idx="0">
+            <a:schemeClr val="dk1"/>
+          </a:effectRef>
+          <a:fontRef idx="minor">
+            <a:schemeClr val="lt1"/>
+          </a:fontRef>
+        </p:style>
+        <p:txBody>
+          <a:bodyPr rtlCol="0" anchor="ctr"/>
+          <a:lstStyle/>
+          <a:p>
+            <a:pPr algn="ctr"/>
+            <a:endParaRPr lang="en-US"/>
+          </a:p>
+        </p:txBody>
+      </p:sp>
+      <p:cxnSp>
+        <p:nvCxnSpPr>
+          <p:cNvPr id="11" name="Straight Arrow Connector 10">
+            <a:extLst>
+              <a:ext uri="{FF2B5EF4-FFF2-40B4-BE49-F238E27FC236}">
+                <a16:creationId xmlns:a16="http://schemas.microsoft.com/office/drawing/2014/main" id="{416A8AEC-FC5A-4BCB-BA3D-F98334379D34}"/>
+              </a:ext>
+            </a:extLst>
+          </p:cNvPr>
+          <p:cNvCxnSpPr>
+            <a:cxnSpLocks/>
+          </p:cNvCxnSpPr>
+          <p:nvPr/>
+        </p:nvCxnSpPr>
+        <p:spPr>
+          <a:xfrm>
+            <a:off x="1777066" y="1875464"/>
+            <a:ext cx="1645641" cy="3669"/>
+          </a:xfrm>
+          <a:prstGeom prst="straightConnector1">
+            <a:avLst/>
+          </a:prstGeom>
+          <a:ln>
+            <a:tailEnd type="triangle"/>
+          </a:ln>
+        </p:spPr>
+        <p:style>
+          <a:lnRef idx="1">
+            <a:schemeClr val="dk1"/>
+          </a:lnRef>
+          <a:fillRef idx="0">
+            <a:schemeClr val="dk1"/>
+          </a:fillRef>
+          <a:effectRef idx="0">
+            <a:schemeClr val="dk1"/>
+          </a:effectRef>
+          <a:fontRef idx="minor">
+            <a:schemeClr val="tx1"/>
+          </a:fontRef>
+        </p:style>
+      </p:cxnSp>
+      <p:sp>
+        <p:nvSpPr>
+          <p:cNvPr id="13" name="TextBox 12">
+            <a:extLst>
+              <a:ext uri="{FF2B5EF4-FFF2-40B4-BE49-F238E27FC236}">
+                <a16:creationId xmlns:a16="http://schemas.microsoft.com/office/drawing/2014/main" id="{A5EE73B4-8358-4B10-A8D3-148E4FBBA7C1}"/>
+              </a:ext>
+            </a:extLst>
+          </p:cNvPr>
+          <p:cNvSpPr txBox="1"/>
+          <p:nvPr/>
+        </p:nvSpPr>
+        <p:spPr>
+          <a:xfrm>
+            <a:off x="2128955" y="1632912"/>
+            <a:ext cx="1128835" cy="246221"/>
+          </a:xfrm>
+          <a:prstGeom prst="rect">
+            <a:avLst/>
+          </a:prstGeom>
+          <a:noFill/>
+        </p:spPr>
+        <p:txBody>
+          <a:bodyPr wrap="none" rtlCol="0">
+            <a:spAutoFit/>
+          </a:bodyPr>
+          <a:lstStyle/>
+          <a:p>
+            <a:r>
+              <a:rPr lang="en-US" sz="1000" dirty="0"/>
+              <a:t>TCP conn request.</a:t>
+            </a:r>
+            <a:endParaRPr lang="en-US" dirty="0"/>
+          </a:p>
+        </p:txBody>
+      </p:sp>
+      <p:cxnSp>
+        <p:nvCxnSpPr>
+          <p:cNvPr id="16" name="Straight Arrow Connector 15">
+            <a:extLst>
+              <a:ext uri="{FF2B5EF4-FFF2-40B4-BE49-F238E27FC236}">
+                <a16:creationId xmlns:a16="http://schemas.microsoft.com/office/drawing/2014/main" id="{0CE35B64-F5DB-4C71-8D22-74FA4EB46C47}"/>
+              </a:ext>
+            </a:extLst>
+          </p:cNvPr>
+          <p:cNvCxnSpPr>
+            <a:stCxn id="9" idx="2"/>
+          </p:cNvCxnSpPr>
+          <p:nvPr/>
+        </p:nvCxnSpPr>
+        <p:spPr>
+          <a:xfrm flipH="1">
+            <a:off x="1795243" y="2214693"/>
+            <a:ext cx="1686187" cy="0"/>
+          </a:xfrm>
+          <a:prstGeom prst="straightConnector1">
+            <a:avLst/>
+          </a:prstGeom>
+          <a:ln>
+            <a:prstDash val="lgDashDot"/>
+            <a:tailEnd type="triangle"/>
+          </a:ln>
+        </p:spPr>
+        <p:style>
+          <a:lnRef idx="1">
+            <a:schemeClr val="dk1"/>
+          </a:lnRef>
+          <a:fillRef idx="0">
+            <a:schemeClr val="dk1"/>
+          </a:fillRef>
+          <a:effectRef idx="0">
+            <a:schemeClr val="dk1"/>
+          </a:effectRef>
+          <a:fontRef idx="minor">
+            <a:schemeClr val="tx1"/>
+          </a:fontRef>
+        </p:style>
+      </p:cxnSp>
+      <p:sp>
+        <p:nvSpPr>
+          <p:cNvPr id="17" name="TextBox 16">
+            <a:extLst>
+              <a:ext uri="{FF2B5EF4-FFF2-40B4-BE49-F238E27FC236}">
+                <a16:creationId xmlns:a16="http://schemas.microsoft.com/office/drawing/2014/main" id="{FBD79A98-5AC7-44D4-A3C7-EC51BE108815}"/>
+              </a:ext>
+            </a:extLst>
+          </p:cNvPr>
+          <p:cNvSpPr txBox="1"/>
+          <p:nvPr/>
+        </p:nvSpPr>
+        <p:spPr>
+          <a:xfrm>
+            <a:off x="2050409" y="2000969"/>
+            <a:ext cx="1285929" cy="246221"/>
+          </a:xfrm>
+          <a:prstGeom prst="rect">
+            <a:avLst/>
+          </a:prstGeom>
+          <a:noFill/>
+        </p:spPr>
+        <p:txBody>
+          <a:bodyPr wrap="none" rtlCol="0">
+            <a:spAutoFit/>
+          </a:bodyPr>
+          <a:lstStyle/>
+          <a:p>
+            <a:r>
+              <a:rPr lang="en-US" sz="1000" dirty="0"/>
+              <a:t>Connection accepted</a:t>
+            </a:r>
+            <a:endParaRPr lang="en-US" dirty="0"/>
+          </a:p>
+        </p:txBody>
+      </p:sp>
+      <p:cxnSp>
+        <p:nvCxnSpPr>
+          <p:cNvPr id="19" name="Straight Connector 18">
+            <a:extLst>
+              <a:ext uri="{FF2B5EF4-FFF2-40B4-BE49-F238E27FC236}">
+                <a16:creationId xmlns:a16="http://schemas.microsoft.com/office/drawing/2014/main" id="{E140F964-F919-4BBA-B905-43781BBA345D}"/>
+              </a:ext>
+            </a:extLst>
+          </p:cNvPr>
+          <p:cNvCxnSpPr>
+            <a:stCxn id="3" idx="2"/>
+            <a:endCxn id="9" idx="0"/>
+          </p:cNvCxnSpPr>
+          <p:nvPr/>
+        </p:nvCxnSpPr>
+        <p:spPr>
+          <a:xfrm flipH="1">
+            <a:off x="3481430" y="1484851"/>
+            <a:ext cx="1399" cy="335560"/>
+          </a:xfrm>
+          <a:prstGeom prst="line">
+            <a:avLst/>
+          </a:prstGeom>
+          <a:ln>
+            <a:prstDash val="lgDash"/>
+          </a:ln>
+        </p:spPr>
+        <p:style>
+          <a:lnRef idx="1">
+            <a:schemeClr val="dk1"/>
+          </a:lnRef>
+          <a:fillRef idx="0">
+            <a:schemeClr val="dk1"/>
+          </a:fillRef>
+          <a:effectRef idx="0">
+            <a:schemeClr val="dk1"/>
+          </a:effectRef>
+          <a:fontRef idx="minor">
+            <a:schemeClr val="tx1"/>
+          </a:fontRef>
+        </p:style>
+      </p:cxnSp>
+      <p:sp>
+        <p:nvSpPr>
+          <p:cNvPr id="26" name="Rectangle 25">
+            <a:extLst>
+              <a:ext uri="{FF2B5EF4-FFF2-40B4-BE49-F238E27FC236}">
+                <a16:creationId xmlns:a16="http://schemas.microsoft.com/office/drawing/2014/main" id="{91F55B64-72CE-4343-9D78-6C294BAB1680}"/>
+              </a:ext>
+            </a:extLst>
+          </p:cNvPr>
+          <p:cNvSpPr/>
+          <p:nvPr/>
+        </p:nvSpPr>
+        <p:spPr>
+          <a:xfrm>
+            <a:off x="3422707" y="2550251"/>
+            <a:ext cx="117443" cy="394282"/>
+          </a:xfrm>
+          <a:prstGeom prst="rect">
+            <a:avLst/>
+          </a:prstGeom>
+          <a:noFill/>
+          <a:ln w="6350"/>
+        </p:spPr>
+        <p:style>
+          <a:lnRef idx="2">
+            <a:schemeClr val="dk1">
+              <a:shade val="50000"/>
+            </a:schemeClr>
+          </a:lnRef>
+          <a:fillRef idx="1">
+            <a:schemeClr val="dk1"/>
+          </a:fillRef>
+          <a:effectRef idx="0">
+            <a:schemeClr val="dk1"/>
+          </a:effectRef>
+          <a:fontRef idx="minor">
+            <a:schemeClr val="lt1"/>
+          </a:fontRef>
+        </p:style>
+        <p:txBody>
+          <a:bodyPr rtlCol="0" anchor="ctr"/>
+          <a:lstStyle/>
+          <a:p>
+            <a:pPr algn="ctr"/>
+            <a:endParaRPr lang="en-US"/>
+          </a:p>
+        </p:txBody>
+      </p:sp>
+      <p:cxnSp>
+        <p:nvCxnSpPr>
+          <p:cNvPr id="29" name="Straight Arrow Connector 28">
+            <a:extLst>
+              <a:ext uri="{FF2B5EF4-FFF2-40B4-BE49-F238E27FC236}">
+                <a16:creationId xmlns:a16="http://schemas.microsoft.com/office/drawing/2014/main" id="{74EAC190-6F4A-458F-9E94-666D76AC650A}"/>
+              </a:ext>
+            </a:extLst>
+          </p:cNvPr>
+          <p:cNvCxnSpPr>
+            <a:cxnSpLocks/>
+          </p:cNvCxnSpPr>
+          <p:nvPr/>
+        </p:nvCxnSpPr>
+        <p:spPr>
+          <a:xfrm flipV="1">
+            <a:off x="1893104" y="2644606"/>
+            <a:ext cx="1536591" cy="6293"/>
+          </a:xfrm>
+          <a:prstGeom prst="straightConnector1">
+            <a:avLst/>
+          </a:prstGeom>
+          <a:ln>
+            <a:tailEnd type="triangle"/>
+          </a:ln>
+        </p:spPr>
+        <p:style>
+          <a:lnRef idx="1">
+            <a:schemeClr val="dk1"/>
+          </a:lnRef>
+          <a:fillRef idx="0">
+            <a:schemeClr val="dk1"/>
+          </a:fillRef>
+          <a:effectRef idx="0">
+            <a:schemeClr val="dk1"/>
+          </a:effectRef>
+          <a:fontRef idx="minor">
+            <a:schemeClr val="tx1"/>
+          </a:fontRef>
+        </p:style>
+      </p:cxnSp>
+      <p:cxnSp>
+        <p:nvCxnSpPr>
+          <p:cNvPr id="31" name="Straight Connector 30">
+            <a:extLst>
+              <a:ext uri="{FF2B5EF4-FFF2-40B4-BE49-F238E27FC236}">
+                <a16:creationId xmlns:a16="http://schemas.microsoft.com/office/drawing/2014/main" id="{1276AE60-EAA8-485A-8055-D439F119C69C}"/>
+              </a:ext>
+            </a:extLst>
+          </p:cNvPr>
+          <p:cNvCxnSpPr>
+            <a:cxnSpLocks/>
+            <a:stCxn id="9" idx="2"/>
+          </p:cNvCxnSpPr>
+          <p:nvPr/>
+        </p:nvCxnSpPr>
+        <p:spPr>
+          <a:xfrm flipH="1">
+            <a:off x="3481429" y="2214693"/>
+            <a:ext cx="1" cy="343947"/>
+          </a:xfrm>
+          <a:prstGeom prst="line">
+            <a:avLst/>
+          </a:prstGeom>
+          <a:ln>
+            <a:prstDash val="lgDash"/>
+          </a:ln>
+        </p:spPr>
+        <p:style>
+          <a:lnRef idx="1">
+            <a:schemeClr val="dk1"/>
+          </a:lnRef>
+          <a:fillRef idx="0">
+            <a:schemeClr val="dk1"/>
+          </a:fillRef>
+          <a:effectRef idx="0">
+            <a:schemeClr val="dk1"/>
+          </a:effectRef>
+          <a:fontRef idx="minor">
+            <a:schemeClr val="tx1"/>
+          </a:fontRef>
+        </p:style>
+      </p:cxnSp>
+      <p:sp>
+        <p:nvSpPr>
+          <p:cNvPr id="32" name="TextBox 31">
+            <a:extLst>
+              <a:ext uri="{FF2B5EF4-FFF2-40B4-BE49-F238E27FC236}">
+                <a16:creationId xmlns:a16="http://schemas.microsoft.com/office/drawing/2014/main" id="{8D5F2DCF-A62D-4D5E-BE23-A13EEED37204}"/>
+              </a:ext>
+            </a:extLst>
+          </p:cNvPr>
+          <p:cNvSpPr txBox="1"/>
+          <p:nvPr/>
+        </p:nvSpPr>
+        <p:spPr>
+          <a:xfrm>
+            <a:off x="2270608" y="2344860"/>
+            <a:ext cx="1000595" cy="338554"/>
+          </a:xfrm>
+          <a:prstGeom prst="rect">
+            <a:avLst/>
+          </a:prstGeom>
+          <a:noFill/>
+        </p:spPr>
+        <p:txBody>
+          <a:bodyPr wrap="none" rtlCol="0">
+            <a:spAutoFit/>
+          </a:bodyPr>
+          <a:lstStyle/>
+          <a:p>
+            <a:r>
+              <a:rPr lang="en-US" sz="800" dirty="0"/>
+              <a:t>Send command for </a:t>
+            </a:r>
+          </a:p>
+          <a:p>
+            <a:r>
+              <a:rPr lang="en-US" sz="800" dirty="0"/>
+              <a:t>Test Mode</a:t>
+            </a:r>
+            <a:endParaRPr lang="en-US" sz="1400" dirty="0"/>
+          </a:p>
+        </p:txBody>
+      </p:sp>
+      <p:cxnSp>
+        <p:nvCxnSpPr>
+          <p:cNvPr id="34" name="Straight Connector 33">
+            <a:extLst>
+              <a:ext uri="{FF2B5EF4-FFF2-40B4-BE49-F238E27FC236}">
+                <a16:creationId xmlns:a16="http://schemas.microsoft.com/office/drawing/2014/main" id="{3ED04E60-478E-4B78-9F69-E6BB982A9BAE}"/>
+              </a:ext>
+            </a:extLst>
+          </p:cNvPr>
+          <p:cNvCxnSpPr>
+            <a:cxnSpLocks/>
+            <a:stCxn id="4" idx="2"/>
+            <a:endCxn id="37" idx="0"/>
+          </p:cNvCxnSpPr>
+          <p:nvPr/>
+        </p:nvCxnSpPr>
+        <p:spPr>
+          <a:xfrm flipH="1">
+            <a:off x="5177403" y="1484851"/>
+            <a:ext cx="1400" cy="1210109"/>
+          </a:xfrm>
+          <a:prstGeom prst="line">
+            <a:avLst/>
+          </a:prstGeom>
+          <a:ln>
+            <a:prstDash val="lgDash"/>
+          </a:ln>
+        </p:spPr>
+        <p:style>
+          <a:lnRef idx="1">
+            <a:schemeClr val="dk1"/>
+          </a:lnRef>
+          <a:fillRef idx="0">
+            <a:schemeClr val="dk1"/>
+          </a:fillRef>
+          <a:effectRef idx="0">
+            <a:schemeClr val="dk1"/>
+          </a:effectRef>
+          <a:fontRef idx="minor">
+            <a:schemeClr val="tx1"/>
+          </a:fontRef>
+        </p:style>
+      </p:cxnSp>
+      <p:cxnSp>
+        <p:nvCxnSpPr>
+          <p:cNvPr id="36" name="Straight Arrow Connector 35">
+            <a:extLst>
+              <a:ext uri="{FF2B5EF4-FFF2-40B4-BE49-F238E27FC236}">
+                <a16:creationId xmlns:a16="http://schemas.microsoft.com/office/drawing/2014/main" id="{BD211BB3-7DCD-4CFC-8276-506DA5430BA2}"/>
+              </a:ext>
+            </a:extLst>
+          </p:cNvPr>
+          <p:cNvCxnSpPr>
+            <a:cxnSpLocks/>
+            <a:stCxn id="26" idx="3"/>
+          </p:cNvCxnSpPr>
+          <p:nvPr/>
+        </p:nvCxnSpPr>
+        <p:spPr>
+          <a:xfrm>
+            <a:off x="3540150" y="2747392"/>
+            <a:ext cx="1521211" cy="0"/>
+          </a:xfrm>
+          <a:prstGeom prst="straightConnector1">
+            <a:avLst/>
+          </a:prstGeom>
+          <a:ln>
+            <a:tailEnd type="triangle"/>
+          </a:ln>
+        </p:spPr>
+        <p:style>
+          <a:lnRef idx="1">
+            <a:schemeClr val="dk1"/>
+          </a:lnRef>
+          <a:fillRef idx="0">
+            <a:schemeClr val="dk1"/>
+          </a:fillRef>
+          <a:effectRef idx="0">
+            <a:schemeClr val="dk1"/>
+          </a:effectRef>
+          <a:fontRef idx="minor">
+            <a:schemeClr val="tx1"/>
+          </a:fontRef>
+        </p:style>
+      </p:cxnSp>
+      <p:sp>
+        <p:nvSpPr>
+          <p:cNvPr id="37" name="Rectangle 36">
+            <a:extLst>
+              <a:ext uri="{FF2B5EF4-FFF2-40B4-BE49-F238E27FC236}">
+                <a16:creationId xmlns:a16="http://schemas.microsoft.com/office/drawing/2014/main" id="{7FF44A05-0F24-4EEE-814D-22147A3BA9B8}"/>
+              </a:ext>
+            </a:extLst>
+          </p:cNvPr>
+          <p:cNvSpPr/>
+          <p:nvPr/>
+        </p:nvSpPr>
+        <p:spPr>
+          <a:xfrm>
+            <a:off x="5120083" y="2694960"/>
+            <a:ext cx="114640" cy="622303"/>
+          </a:xfrm>
+          <a:prstGeom prst="rect">
+            <a:avLst/>
+          </a:prstGeom>
+          <a:noFill/>
+          <a:ln w="6350"/>
+        </p:spPr>
+        <p:style>
+          <a:lnRef idx="2">
+            <a:schemeClr val="dk1">
+              <a:shade val="50000"/>
+            </a:schemeClr>
+          </a:lnRef>
+          <a:fillRef idx="1">
+            <a:schemeClr val="dk1"/>
+          </a:fillRef>
+          <a:effectRef idx="0">
+            <a:schemeClr val="dk1"/>
+          </a:effectRef>
+          <a:fontRef idx="minor">
+            <a:schemeClr val="lt1"/>
+          </a:fontRef>
+        </p:style>
+        <p:txBody>
+          <a:bodyPr rtlCol="0" anchor="ctr"/>
+          <a:lstStyle/>
+          <a:p>
+            <a:pPr algn="ctr"/>
+            <a:endParaRPr lang="en-US"/>
+          </a:p>
+        </p:txBody>
+      </p:sp>
+      <p:sp>
+        <p:nvSpPr>
+          <p:cNvPr id="39" name="TextBox 38">
+            <a:extLst>
+              <a:ext uri="{FF2B5EF4-FFF2-40B4-BE49-F238E27FC236}">
+                <a16:creationId xmlns:a16="http://schemas.microsoft.com/office/drawing/2014/main" id="{682AA96B-699C-4F46-AE4C-4F7CF4D91792}"/>
+              </a:ext>
+            </a:extLst>
+          </p:cNvPr>
+          <p:cNvSpPr txBox="1"/>
+          <p:nvPr/>
+        </p:nvSpPr>
+        <p:spPr>
+          <a:xfrm>
+            <a:off x="3939498" y="2550251"/>
+            <a:ext cx="859531" cy="215444"/>
+          </a:xfrm>
+          <a:prstGeom prst="rect">
+            <a:avLst/>
+          </a:prstGeom>
+          <a:noFill/>
+        </p:spPr>
+        <p:txBody>
+          <a:bodyPr wrap="none" rtlCol="0">
+            <a:spAutoFit/>
+          </a:bodyPr>
+          <a:lstStyle/>
+          <a:p>
+            <a:r>
+              <a:rPr lang="en-US" sz="800" dirty="0"/>
+              <a:t>Test Mode EXEC</a:t>
+            </a:r>
+            <a:endParaRPr lang="en-US" sz="1400" dirty="0"/>
+          </a:p>
+        </p:txBody>
+      </p:sp>
+      <p:sp>
+        <p:nvSpPr>
+          <p:cNvPr id="44" name="Rectangle 43">
+            <a:extLst>
+              <a:ext uri="{FF2B5EF4-FFF2-40B4-BE49-F238E27FC236}">
+                <a16:creationId xmlns:a16="http://schemas.microsoft.com/office/drawing/2014/main" id="{E280D89D-DEAF-479F-9A1D-9DBE3BD85704}"/>
+              </a:ext>
+            </a:extLst>
+          </p:cNvPr>
+          <p:cNvSpPr/>
+          <p:nvPr/>
+        </p:nvSpPr>
+        <p:spPr>
+          <a:xfrm>
+            <a:off x="3422706" y="3177304"/>
+            <a:ext cx="117443" cy="394282"/>
+          </a:xfrm>
+          <a:prstGeom prst="rect">
+            <a:avLst/>
+          </a:prstGeom>
+          <a:noFill/>
+          <a:ln w="6350"/>
+        </p:spPr>
+        <p:style>
+          <a:lnRef idx="2">
+            <a:schemeClr val="dk1">
+              <a:shade val="50000"/>
+            </a:schemeClr>
+          </a:lnRef>
+          <a:fillRef idx="1">
+            <a:schemeClr val="dk1"/>
+          </a:fillRef>
+          <a:effectRef idx="0">
+            <a:schemeClr val="dk1"/>
+          </a:effectRef>
+          <a:fontRef idx="minor">
+            <a:schemeClr val="lt1"/>
+          </a:fontRef>
+        </p:style>
+        <p:txBody>
+          <a:bodyPr rtlCol="0" anchor="ctr"/>
+          <a:lstStyle/>
+          <a:p>
+            <a:pPr algn="ctr"/>
+            <a:endParaRPr lang="en-US"/>
+          </a:p>
+        </p:txBody>
+      </p:sp>
+      <p:cxnSp>
+        <p:nvCxnSpPr>
+          <p:cNvPr id="46" name="Straight Arrow Connector 45">
+            <a:extLst>
+              <a:ext uri="{FF2B5EF4-FFF2-40B4-BE49-F238E27FC236}">
+                <a16:creationId xmlns:a16="http://schemas.microsoft.com/office/drawing/2014/main" id="{F7A6CBFE-750C-493F-8005-97B22EFD2732}"/>
+              </a:ext>
+            </a:extLst>
+          </p:cNvPr>
+          <p:cNvCxnSpPr/>
+          <p:nvPr/>
+        </p:nvCxnSpPr>
+        <p:spPr>
+          <a:xfrm flipH="1">
+            <a:off x="3556932" y="3288484"/>
+            <a:ext cx="1563148" cy="0"/>
+          </a:xfrm>
+          <a:prstGeom prst="straightConnector1">
+            <a:avLst/>
+          </a:prstGeom>
+          <a:ln>
+            <a:tailEnd type="triangle"/>
+          </a:ln>
+        </p:spPr>
+        <p:style>
+          <a:lnRef idx="1">
+            <a:schemeClr val="dk1"/>
+          </a:lnRef>
+          <a:fillRef idx="0">
+            <a:schemeClr val="dk1"/>
+          </a:fillRef>
+          <a:effectRef idx="0">
+            <a:schemeClr val="dk1"/>
+          </a:effectRef>
+          <a:fontRef idx="minor">
+            <a:schemeClr val="tx1"/>
+          </a:fontRef>
+        </p:style>
+      </p:cxnSp>
+      <p:sp>
+        <p:nvSpPr>
+          <p:cNvPr id="47" name="TextBox 46">
+            <a:extLst>
+              <a:ext uri="{FF2B5EF4-FFF2-40B4-BE49-F238E27FC236}">
+                <a16:creationId xmlns:a16="http://schemas.microsoft.com/office/drawing/2014/main" id="{7EB9F6E7-26E8-440F-B28A-FE9485B407D6}"/>
+              </a:ext>
+            </a:extLst>
+          </p:cNvPr>
+          <p:cNvSpPr txBox="1"/>
+          <p:nvPr/>
+        </p:nvSpPr>
+        <p:spPr>
+          <a:xfrm>
+            <a:off x="3795248" y="3101826"/>
+            <a:ext cx="1095172" cy="215444"/>
+          </a:xfrm>
+          <a:prstGeom prst="rect">
+            <a:avLst/>
+          </a:prstGeom>
+          <a:noFill/>
+        </p:spPr>
+        <p:txBody>
+          <a:bodyPr wrap="none" rtlCol="0">
+            <a:spAutoFit/>
+          </a:bodyPr>
+          <a:lstStyle/>
+          <a:p>
+            <a:r>
+              <a:rPr lang="en-US" sz="800" dirty="0"/>
+              <a:t>Test Mode Responses</a:t>
+            </a:r>
+            <a:endParaRPr lang="en-US" sz="1400" dirty="0"/>
+          </a:p>
+        </p:txBody>
+      </p:sp>
+      <p:cxnSp>
+        <p:nvCxnSpPr>
+          <p:cNvPr id="49" name="Straight Arrow Connector 48">
+            <a:extLst>
+              <a:ext uri="{FF2B5EF4-FFF2-40B4-BE49-F238E27FC236}">
+                <a16:creationId xmlns:a16="http://schemas.microsoft.com/office/drawing/2014/main" id="{E54FB6AA-6423-4FC1-B891-8FA7BD50B3EE}"/>
+              </a:ext>
+            </a:extLst>
+          </p:cNvPr>
+          <p:cNvCxnSpPr/>
+          <p:nvPr/>
+        </p:nvCxnSpPr>
+        <p:spPr>
+          <a:xfrm flipH="1">
+            <a:off x="1818312" y="3564595"/>
+            <a:ext cx="1563148" cy="0"/>
+          </a:xfrm>
+          <a:prstGeom prst="straightConnector1">
+            <a:avLst/>
+          </a:prstGeom>
+          <a:ln>
+            <a:tailEnd type="triangle"/>
+          </a:ln>
+        </p:spPr>
+        <p:style>
+          <a:lnRef idx="1">
+            <a:schemeClr val="dk1"/>
+          </a:lnRef>
+          <a:fillRef idx="0">
+            <a:schemeClr val="dk1"/>
+          </a:fillRef>
+          <a:effectRef idx="0">
+            <a:schemeClr val="dk1"/>
+          </a:effectRef>
+          <a:fontRef idx="minor">
+            <a:schemeClr val="tx1"/>
+          </a:fontRef>
+        </p:style>
+      </p:cxnSp>
+      <p:cxnSp>
+        <p:nvCxnSpPr>
+          <p:cNvPr id="51" name="Straight Connector 50">
+            <a:extLst>
+              <a:ext uri="{FF2B5EF4-FFF2-40B4-BE49-F238E27FC236}">
+                <a16:creationId xmlns:a16="http://schemas.microsoft.com/office/drawing/2014/main" id="{0F71D63F-1DC8-4680-A2D9-0B7F57141AD4}"/>
+              </a:ext>
+            </a:extLst>
+          </p:cNvPr>
+          <p:cNvCxnSpPr>
+            <a:stCxn id="26" idx="2"/>
+            <a:endCxn id="44" idx="0"/>
+          </p:cNvCxnSpPr>
+          <p:nvPr/>
+        </p:nvCxnSpPr>
+        <p:spPr>
+          <a:xfrm flipH="1">
+            <a:off x="3481428" y="2944533"/>
+            <a:ext cx="1" cy="232771"/>
+          </a:xfrm>
+          <a:prstGeom prst="line">
+            <a:avLst/>
+          </a:prstGeom>
+          <a:ln>
+            <a:prstDash val="lgDash"/>
+          </a:ln>
+        </p:spPr>
+        <p:style>
+          <a:lnRef idx="1">
+            <a:schemeClr val="dk1"/>
+          </a:lnRef>
+          <a:fillRef idx="0">
+            <a:schemeClr val="dk1"/>
+          </a:fillRef>
+          <a:effectRef idx="0">
+            <a:schemeClr val="dk1"/>
+          </a:effectRef>
+          <a:fontRef idx="minor">
+            <a:schemeClr val="tx1"/>
+          </a:fontRef>
+        </p:style>
+      </p:cxnSp>
+      <p:cxnSp>
+        <p:nvCxnSpPr>
+          <p:cNvPr id="53" name="Straight Connector 52">
+            <a:extLst>
+              <a:ext uri="{FF2B5EF4-FFF2-40B4-BE49-F238E27FC236}">
+                <a16:creationId xmlns:a16="http://schemas.microsoft.com/office/drawing/2014/main" id="{2151A822-BA3B-41AB-8720-AFD72A02A9A0}"/>
+              </a:ext>
+            </a:extLst>
+          </p:cNvPr>
+          <p:cNvCxnSpPr>
+            <a:cxnSpLocks/>
+            <a:stCxn id="37" idx="2"/>
+          </p:cNvCxnSpPr>
+          <p:nvPr/>
+        </p:nvCxnSpPr>
+        <p:spPr>
+          <a:xfrm>
+            <a:off x="5177403" y="3317263"/>
+            <a:ext cx="1400" cy="709453"/>
+          </a:xfrm>
+          <a:prstGeom prst="line">
+            <a:avLst/>
+          </a:prstGeom>
+          <a:ln>
+            <a:prstDash val="lgDash"/>
+          </a:ln>
+        </p:spPr>
+        <p:style>
+          <a:lnRef idx="1">
+            <a:schemeClr val="dk1"/>
+          </a:lnRef>
+          <a:fillRef idx="0">
+            <a:schemeClr val="dk1"/>
+          </a:fillRef>
+          <a:effectRef idx="0">
+            <a:schemeClr val="dk1"/>
+          </a:effectRef>
+          <a:fontRef idx="minor">
+            <a:schemeClr val="tx1"/>
+          </a:fontRef>
+        </p:style>
+      </p:cxnSp>
+      <p:cxnSp>
+        <p:nvCxnSpPr>
+          <p:cNvPr id="55" name="Straight Connector 54">
+            <a:extLst>
+              <a:ext uri="{FF2B5EF4-FFF2-40B4-BE49-F238E27FC236}">
+                <a16:creationId xmlns:a16="http://schemas.microsoft.com/office/drawing/2014/main" id="{934E3370-F17D-4C2A-8F4E-821FA0239139}"/>
+              </a:ext>
+            </a:extLst>
+          </p:cNvPr>
+          <p:cNvCxnSpPr>
+            <a:stCxn id="44" idx="2"/>
+          </p:cNvCxnSpPr>
+          <p:nvPr/>
+        </p:nvCxnSpPr>
+        <p:spPr>
+          <a:xfrm flipH="1">
+            <a:off x="3481427" y="3571586"/>
+            <a:ext cx="1" cy="455130"/>
+          </a:xfrm>
+          <a:prstGeom prst="line">
+            <a:avLst/>
+          </a:prstGeom>
+          <a:ln>
+            <a:prstDash val="lgDash"/>
+          </a:ln>
+        </p:spPr>
+        <p:style>
+          <a:lnRef idx="1">
+            <a:schemeClr val="dk1"/>
+          </a:lnRef>
+          <a:fillRef idx="0">
+            <a:schemeClr val="dk1"/>
+          </a:fillRef>
+          <a:effectRef idx="0">
+            <a:schemeClr val="dk1"/>
+          </a:effectRef>
+          <a:fontRef idx="minor">
+            <a:schemeClr val="tx1"/>
+          </a:fontRef>
+        </p:style>
+      </p:cxnSp>
+      <p:sp>
+        <p:nvSpPr>
+          <p:cNvPr id="58" name="TextBox 57">
+            <a:extLst>
+              <a:ext uri="{FF2B5EF4-FFF2-40B4-BE49-F238E27FC236}">
+                <a16:creationId xmlns:a16="http://schemas.microsoft.com/office/drawing/2014/main" id="{E1028353-FAB1-4A5B-9FA9-E97156447476}"/>
+              </a:ext>
+            </a:extLst>
+          </p:cNvPr>
+          <p:cNvSpPr txBox="1"/>
+          <p:nvPr/>
+        </p:nvSpPr>
+        <p:spPr>
+          <a:xfrm>
+            <a:off x="2119925" y="3259723"/>
+            <a:ext cx="1061509" cy="338554"/>
+          </a:xfrm>
+          <a:prstGeom prst="rect">
+            <a:avLst/>
+          </a:prstGeom>
+          <a:noFill/>
+        </p:spPr>
+        <p:txBody>
+          <a:bodyPr wrap="none" rtlCol="0">
+            <a:spAutoFit/>
+          </a:bodyPr>
+          <a:lstStyle/>
+          <a:p>
+            <a:r>
+              <a:rPr lang="en-US" sz="800" dirty="0"/>
+              <a:t>TCP Notification and </a:t>
+            </a:r>
+          </a:p>
+          <a:p>
+            <a:r>
+              <a:rPr lang="en-US" sz="800" dirty="0"/>
+              <a:t>Acknowledgement</a:t>
+            </a:r>
+            <a:endParaRPr lang="en-US" sz="1400" dirty="0"/>
+          </a:p>
+        </p:txBody>
+      </p:sp>
+      <p:sp>
+        <p:nvSpPr>
+          <p:cNvPr id="59" name="Rectangle 58">
+            <a:extLst>
+              <a:ext uri="{FF2B5EF4-FFF2-40B4-BE49-F238E27FC236}">
+                <a16:creationId xmlns:a16="http://schemas.microsoft.com/office/drawing/2014/main" id="{575767B5-8A50-4EB1-AA55-7D9B0C50EA3D}"/>
+              </a:ext>
+            </a:extLst>
+          </p:cNvPr>
+          <p:cNvSpPr/>
+          <p:nvPr/>
+        </p:nvSpPr>
+        <p:spPr>
+          <a:xfrm>
+            <a:off x="1735120" y="2602064"/>
+            <a:ext cx="99970" cy="1055535"/>
+          </a:xfrm>
+          <a:prstGeom prst="rect">
+            <a:avLst/>
+          </a:prstGeom>
+          <a:noFill/>
+          <a:ln w="6350"/>
+        </p:spPr>
+        <p:style>
+          <a:lnRef idx="2">
+            <a:schemeClr val="dk1">
+              <a:shade val="50000"/>
+            </a:schemeClr>
+          </a:lnRef>
+          <a:fillRef idx="1">
+            <a:schemeClr val="dk1"/>
+          </a:fillRef>
+          <a:effectRef idx="0">
+            <a:schemeClr val="dk1"/>
+          </a:effectRef>
+          <a:fontRef idx="minor">
+            <a:schemeClr val="lt1"/>
+          </a:fontRef>
+        </p:style>
+        <p:txBody>
+          <a:bodyPr rtlCol="0" anchor="ctr"/>
+          <a:lstStyle/>
+          <a:p>
+            <a:pPr algn="ctr"/>
+            <a:endParaRPr lang="en-US"/>
+          </a:p>
+        </p:txBody>
+      </p:sp>
+      <p:cxnSp>
+        <p:nvCxnSpPr>
+          <p:cNvPr id="66" name="Straight Connector 65">
+            <a:extLst>
+              <a:ext uri="{FF2B5EF4-FFF2-40B4-BE49-F238E27FC236}">
+                <a16:creationId xmlns:a16="http://schemas.microsoft.com/office/drawing/2014/main" id="{68893F76-9B13-4752-AB1B-61EA811F66CF}"/>
+              </a:ext>
+            </a:extLst>
+          </p:cNvPr>
+          <p:cNvCxnSpPr>
+            <a:stCxn id="59" idx="2"/>
+          </p:cNvCxnSpPr>
+          <p:nvPr/>
+        </p:nvCxnSpPr>
+        <p:spPr>
+          <a:xfrm>
+            <a:off x="1785105" y="3657599"/>
+            <a:ext cx="0" cy="369117"/>
+          </a:xfrm>
+          <a:prstGeom prst="line">
+            <a:avLst/>
+          </a:prstGeom>
+          <a:ln>
+            <a:prstDash val="lgDash"/>
+          </a:ln>
+        </p:spPr>
+        <p:style>
+          <a:lnRef idx="1">
+            <a:schemeClr val="dk1"/>
+          </a:lnRef>
+          <a:fillRef idx="0">
+            <a:schemeClr val="dk1"/>
+          </a:fillRef>
+          <a:effectRef idx="0">
+            <a:schemeClr val="dk1"/>
+          </a:effectRef>
+          <a:fontRef idx="minor">
+            <a:schemeClr val="tx1"/>
+          </a:fontRef>
+        </p:style>
+      </p:cxnSp>
     </p:spTree>
     <p:extLst>
       <p:ext uri="{BB962C8B-B14F-4D97-AF65-F5344CB8AC3E}">

--- a/001 Documentation/Diagrams.pptx
+++ b/001 Documentation/Diagrams.pptx
@@ -9,6 +9,7 @@
     <p:sldId id="257" r:id="rId3"/>
     <p:sldId id="258" r:id="rId4"/>
     <p:sldId id="259" r:id="rId5"/>
+    <p:sldId id="260" r:id="rId6"/>
   </p:sldIdLst>
   <p:sldSz cx="12192000" cy="6858000"/>
   <p:notesSz cx="6858000" cy="9144000"/>
@@ -262,7 +263,7 @@
           <a:p>
             <a:fld id="{A2A69E8B-42F9-4794-8BB5-C9C3D02CD129}" type="datetimeFigureOut">
               <a:rPr lang="en-US" smtClean="0"/>
-              <a:t>11/6/2022</a:t>
+              <a:t>11/21/2022</a:t>
             </a:fld>
             <a:endParaRPr lang="en-US"/>
           </a:p>
@@ -460,7 +461,7 @@
           <a:p>
             <a:fld id="{A2A69E8B-42F9-4794-8BB5-C9C3D02CD129}" type="datetimeFigureOut">
               <a:rPr lang="en-US" smtClean="0"/>
-              <a:t>11/6/2022</a:t>
+              <a:t>11/21/2022</a:t>
             </a:fld>
             <a:endParaRPr lang="en-US"/>
           </a:p>
@@ -668,7 +669,7 @@
           <a:p>
             <a:fld id="{A2A69E8B-42F9-4794-8BB5-C9C3D02CD129}" type="datetimeFigureOut">
               <a:rPr lang="en-US" smtClean="0"/>
-              <a:t>11/6/2022</a:t>
+              <a:t>11/21/2022</a:t>
             </a:fld>
             <a:endParaRPr lang="en-US"/>
           </a:p>
@@ -866,7 +867,7 @@
           <a:p>
             <a:fld id="{A2A69E8B-42F9-4794-8BB5-C9C3D02CD129}" type="datetimeFigureOut">
               <a:rPr lang="en-US" smtClean="0"/>
-              <a:t>11/6/2022</a:t>
+              <a:t>11/21/2022</a:t>
             </a:fld>
             <a:endParaRPr lang="en-US"/>
           </a:p>
@@ -1141,7 +1142,7 @@
           <a:p>
             <a:fld id="{A2A69E8B-42F9-4794-8BB5-C9C3D02CD129}" type="datetimeFigureOut">
               <a:rPr lang="en-US" smtClean="0"/>
-              <a:t>11/6/2022</a:t>
+              <a:t>11/21/2022</a:t>
             </a:fld>
             <a:endParaRPr lang="en-US"/>
           </a:p>
@@ -1406,7 +1407,7 @@
           <a:p>
             <a:fld id="{A2A69E8B-42F9-4794-8BB5-C9C3D02CD129}" type="datetimeFigureOut">
               <a:rPr lang="en-US" smtClean="0"/>
-              <a:t>11/6/2022</a:t>
+              <a:t>11/21/2022</a:t>
             </a:fld>
             <a:endParaRPr lang="en-US"/>
           </a:p>
@@ -1818,7 +1819,7 @@
           <a:p>
             <a:fld id="{A2A69E8B-42F9-4794-8BB5-C9C3D02CD129}" type="datetimeFigureOut">
               <a:rPr lang="en-US" smtClean="0"/>
-              <a:t>11/6/2022</a:t>
+              <a:t>11/21/2022</a:t>
             </a:fld>
             <a:endParaRPr lang="en-US"/>
           </a:p>
@@ -1959,7 +1960,7 @@
           <a:p>
             <a:fld id="{A2A69E8B-42F9-4794-8BB5-C9C3D02CD129}" type="datetimeFigureOut">
               <a:rPr lang="en-US" smtClean="0"/>
-              <a:t>11/6/2022</a:t>
+              <a:t>11/21/2022</a:t>
             </a:fld>
             <a:endParaRPr lang="en-US"/>
           </a:p>
@@ -2072,7 +2073,7 @@
           <a:p>
             <a:fld id="{A2A69E8B-42F9-4794-8BB5-C9C3D02CD129}" type="datetimeFigureOut">
               <a:rPr lang="en-US" smtClean="0"/>
-              <a:t>11/6/2022</a:t>
+              <a:t>11/21/2022</a:t>
             </a:fld>
             <a:endParaRPr lang="en-US"/>
           </a:p>
@@ -2383,7 +2384,7 @@
           <a:p>
             <a:fld id="{A2A69E8B-42F9-4794-8BB5-C9C3D02CD129}" type="datetimeFigureOut">
               <a:rPr lang="en-US" smtClean="0"/>
-              <a:t>11/6/2022</a:t>
+              <a:t>11/21/2022</a:t>
             </a:fld>
             <a:endParaRPr lang="en-US"/>
           </a:p>
@@ -2671,7 +2672,7 @@
           <a:p>
             <a:fld id="{A2A69E8B-42F9-4794-8BB5-C9C3D02CD129}" type="datetimeFigureOut">
               <a:rPr lang="en-US" smtClean="0"/>
-              <a:t>11/6/2022</a:t>
+              <a:t>11/21/2022</a:t>
             </a:fld>
             <a:endParaRPr lang="en-US"/>
           </a:p>
@@ -2912,7 +2913,7 @@
           <a:p>
             <a:fld id="{A2A69E8B-42F9-4794-8BB5-C9C3D02CD129}" type="datetimeFigureOut">
               <a:rPr lang="en-US" smtClean="0"/>
-              <a:t>11/6/2022</a:t>
+              <a:t>11/21/2022</a:t>
             </a:fld>
             <a:endParaRPr lang="en-US"/>
           </a:p>
@@ -10049,6 +10050,173 @@
 </p:sld>
 </file>
 
+<file path=ppt/slides/slide5.xml><?xml version="1.0" encoding="utf-8"?>
+<p:sld xmlns:a="http://schemas.openxmlformats.org/drawingml/2006/main" xmlns:r="http://schemas.openxmlformats.org/officeDocument/2006/relationships" xmlns:p="http://schemas.openxmlformats.org/presentationml/2006/main">
+  <p:cSld>
+    <p:spTree>
+      <p:nvGrpSpPr>
+        <p:cNvPr id="1" name=""/>
+        <p:cNvGrpSpPr/>
+        <p:nvPr/>
+      </p:nvGrpSpPr>
+      <p:grpSpPr>
+        <a:xfrm>
+          <a:off x="0" y="0"/>
+          <a:ext cx="0" cy="0"/>
+          <a:chOff x="0" y="0"/>
+          <a:chExt cx="0" cy="0"/>
+        </a:xfrm>
+      </p:grpSpPr>
+      <p:pic>
+        <p:nvPicPr>
+          <p:cNvPr id="9" name="Picture 8">
+            <a:extLst>
+              <a:ext uri="{FF2B5EF4-FFF2-40B4-BE49-F238E27FC236}">
+                <a16:creationId xmlns:a16="http://schemas.microsoft.com/office/drawing/2014/main" id="{33F7274F-F4A8-4D5A-B958-99323C5BA06E}"/>
+              </a:ext>
+            </a:extLst>
+          </p:cNvPr>
+          <p:cNvPicPr>
+            <a:picLocks noChangeAspect="1"/>
+          </p:cNvPicPr>
+          <p:nvPr/>
+        </p:nvPicPr>
+        <p:blipFill>
+          <a:blip r:embed="rId2"/>
+          <a:stretch>
+            <a:fillRect/>
+          </a:stretch>
+        </p:blipFill>
+        <p:spPr>
+          <a:xfrm>
+            <a:off x="3105150" y="1614487"/>
+            <a:ext cx="5981700" cy="3629025"/>
+          </a:xfrm>
+          <a:prstGeom prst="rect">
+            <a:avLst/>
+          </a:prstGeom>
+        </p:spPr>
+      </p:pic>
+      <p:sp>
+        <p:nvSpPr>
+          <p:cNvPr id="5" name="TextBox 4">
+            <a:extLst>
+              <a:ext uri="{FF2B5EF4-FFF2-40B4-BE49-F238E27FC236}">
+                <a16:creationId xmlns:a16="http://schemas.microsoft.com/office/drawing/2014/main" id="{D3BF4C8F-011E-4E4D-A7A0-022B940BDD59}"/>
+              </a:ext>
+            </a:extLst>
+          </p:cNvPr>
+          <p:cNvSpPr txBox="1"/>
+          <p:nvPr/>
+        </p:nvSpPr>
+        <p:spPr>
+          <a:xfrm>
+            <a:off x="4627984" y="1614487"/>
+            <a:ext cx="1386918" cy="954107"/>
+          </a:xfrm>
+          <a:prstGeom prst="rect">
+            <a:avLst/>
+          </a:prstGeom>
+          <a:noFill/>
+        </p:spPr>
+        <p:txBody>
+          <a:bodyPr wrap="none" rtlCol="0">
+            <a:spAutoFit/>
+          </a:bodyPr>
+          <a:lstStyle/>
+          <a:p>
+            <a:r>
+              <a:rPr lang="en-US" sz="800" b="1" dirty="0"/>
+              <a:t>HIL Test Tool</a:t>
+            </a:r>
+          </a:p>
+          <a:p>
+            <a:r>
+              <a:rPr lang="en-US" sz="800" dirty="0"/>
+              <a:t>STM32 Nucleo-H723ZG</a:t>
+            </a:r>
+          </a:p>
+          <a:p>
+            <a:r>
+              <a:rPr lang="en-US" sz="800" dirty="0"/>
+              <a:t>FreeRTOS (10.1)</a:t>
+            </a:r>
+          </a:p>
+          <a:p>
+            <a:endParaRPr lang="en-US" sz="800" dirty="0"/>
+          </a:p>
+          <a:p>
+            <a:r>
+              <a:rPr lang="en-US" sz="800" dirty="0"/>
+              <a:t>-CAN HS/FD</a:t>
+            </a:r>
+          </a:p>
+          <a:p>
+            <a:r>
+              <a:rPr lang="en-US" sz="800" dirty="0"/>
+              <a:t>-Ethernet (TCP Server)</a:t>
+            </a:r>
+          </a:p>
+          <a:p>
+            <a:r>
+              <a:rPr lang="en-US" sz="800" dirty="0"/>
+              <a:t>-SPI (1.8” ST7735 TFT screen)</a:t>
+            </a:r>
+          </a:p>
+        </p:txBody>
+      </p:sp>
+      <p:cxnSp>
+        <p:nvCxnSpPr>
+          <p:cNvPr id="11" name="Straight Arrow Connector 10">
+            <a:extLst>
+              <a:ext uri="{FF2B5EF4-FFF2-40B4-BE49-F238E27FC236}">
+                <a16:creationId xmlns:a16="http://schemas.microsoft.com/office/drawing/2014/main" id="{421E22B9-5FE5-433F-9E3F-922109930361}"/>
+              </a:ext>
+            </a:extLst>
+          </p:cNvPr>
+          <p:cNvCxnSpPr/>
+          <p:nvPr/>
+        </p:nvCxnSpPr>
+        <p:spPr>
+          <a:xfrm>
+            <a:off x="4627984" y="2976465"/>
+            <a:ext cx="251926" cy="0"/>
+          </a:xfrm>
+          <a:prstGeom prst="straightConnector1">
+            <a:avLst/>
+          </a:prstGeom>
+          <a:ln>
+            <a:tailEnd type="triangle"/>
+          </a:ln>
+        </p:spPr>
+        <p:style>
+          <a:lnRef idx="1">
+            <a:schemeClr val="dk1"/>
+          </a:lnRef>
+          <a:fillRef idx="0">
+            <a:schemeClr val="dk1"/>
+          </a:fillRef>
+          <a:effectRef idx="0">
+            <a:schemeClr val="dk1"/>
+          </a:effectRef>
+          <a:fontRef idx="minor">
+            <a:schemeClr val="tx1"/>
+          </a:fontRef>
+        </p:style>
+      </p:cxnSp>
+    </p:spTree>
+    <p:extLst>
+      <p:ext uri="{BB962C8B-B14F-4D97-AF65-F5344CB8AC3E}">
+        <p14:creationId xmlns:p14="http://schemas.microsoft.com/office/powerpoint/2010/main" val="2228884452"/>
+      </p:ext>
+    </p:extLst>
+  </p:cSld>
+  <p:clrMapOvr>
+    <a:masterClrMapping/>
+  </p:clrMapOvr>
+</p:sld>
+</file>
+
 <file path=ppt/theme/theme1.xml><?xml version="1.0" encoding="utf-8"?>
 <a:theme xmlns:a="http://schemas.openxmlformats.org/drawingml/2006/main" name="Office Theme">
   <a:themeElements>
